--- a/Capstone/Prediction of target SLAs -Final- Isuri Chandrasekera.pptx
+++ b/Capstone/Prediction of target SLAs -Final- Isuri Chandrasekera.pptx
@@ -233,7 +233,7 @@
           <a:p>
             <a:fld id="{CD9649FE-1D55-4F15-8E58-83B1C036F892}" type="datetimeFigureOut">
               <a:rPr lang="en-AU" smtClean="0"/>
-              <a:t>8/12/2021</a:t>
+              <a:t>9/12/2021</a:t>
             </a:fld>
             <a:endParaRPr lang="en-AU"/>
           </a:p>
@@ -908,7 +908,15 @@
           <a:p>
             <a:r>
               <a:rPr lang="en-AU" dirty="0"/>
-              <a:t>As the accuracy seems slightly higher in Logistic regression with a false negative 8.49%, it gets highlighted as the best for this particular instance of the dataset.</a:t>
+              <a:t>As the accuracy seems slightly higher in </a:t>
+            </a:r>
+            <a:r>
+              <a:rPr lang="en-AU" dirty="0" err="1"/>
+              <a:t>CatBoost</a:t>
+            </a:r>
+            <a:r>
+              <a:rPr lang="en-AU" dirty="0"/>
+              <a:t> with a false negative 9.64%, it gets highlighted as the best for this particular instance of the dataset.</a:t>
             </a:r>
           </a:p>
         </p:txBody>
@@ -2802,7 +2810,7 @@
           <a:p>
             <a:fld id="{D754354D-3831-46E6-B214-4513A5AFD404}" type="datetimeFigureOut">
               <a:rPr lang="en-AU" smtClean="0"/>
-              <a:t>7/12/2021</a:t>
+              <a:t>9/12/2021</a:t>
             </a:fld>
             <a:endParaRPr lang="en-AU"/>
           </a:p>
@@ -3053,7 +3061,7 @@
           <a:p>
             <a:fld id="{D754354D-3831-46E6-B214-4513A5AFD404}" type="datetimeFigureOut">
               <a:rPr lang="en-AU" smtClean="0"/>
-              <a:t>7/12/2021</a:t>
+              <a:t>9/12/2021</a:t>
             </a:fld>
             <a:endParaRPr lang="en-AU"/>
           </a:p>
@@ -3367,7 +3375,7 @@
           <a:p>
             <a:fld id="{D754354D-3831-46E6-B214-4513A5AFD404}" type="datetimeFigureOut">
               <a:rPr lang="en-AU" smtClean="0"/>
-              <a:t>7/12/2021</a:t>
+              <a:t>9/12/2021</a:t>
             </a:fld>
             <a:endParaRPr lang="en-AU"/>
           </a:p>
@@ -3708,7 +3716,7 @@
           <a:p>
             <a:fld id="{D754354D-3831-46E6-B214-4513A5AFD404}" type="datetimeFigureOut">
               <a:rPr lang="en-AU" smtClean="0"/>
-              <a:t>7/12/2021</a:t>
+              <a:t>9/12/2021</a:t>
             </a:fld>
             <a:endParaRPr lang="en-AU"/>
           </a:p>
@@ -4022,7 +4030,7 @@
           <a:p>
             <a:fld id="{D754354D-3831-46E6-B214-4513A5AFD404}" type="datetimeFigureOut">
               <a:rPr lang="en-AU" smtClean="0"/>
-              <a:t>7/12/2021</a:t>
+              <a:t>9/12/2021</a:t>
             </a:fld>
             <a:endParaRPr lang="en-AU"/>
           </a:p>
@@ -4415,7 +4423,7 @@
           <a:p>
             <a:fld id="{D754354D-3831-46E6-B214-4513A5AFD404}" type="datetimeFigureOut">
               <a:rPr lang="en-AU" smtClean="0"/>
-              <a:t>7/12/2021</a:t>
+              <a:t>9/12/2021</a:t>
             </a:fld>
             <a:endParaRPr lang="en-AU"/>
           </a:p>
@@ -4585,7 +4593,7 @@
           <a:p>
             <a:fld id="{D754354D-3831-46E6-B214-4513A5AFD404}" type="datetimeFigureOut">
               <a:rPr lang="en-AU" smtClean="0"/>
-              <a:t>7/12/2021</a:t>
+              <a:t>9/12/2021</a:t>
             </a:fld>
             <a:endParaRPr lang="en-AU"/>
           </a:p>
@@ -4765,7 +4773,7 @@
           <a:p>
             <a:fld id="{D754354D-3831-46E6-B214-4513A5AFD404}" type="datetimeFigureOut">
               <a:rPr lang="en-AU" smtClean="0"/>
-              <a:t>7/12/2021</a:t>
+              <a:t>9/12/2021</a:t>
             </a:fld>
             <a:endParaRPr lang="en-AU"/>
           </a:p>
@@ -4941,7 +4949,7 @@
           <a:p>
             <a:fld id="{D754354D-3831-46E6-B214-4513A5AFD404}" type="datetimeFigureOut">
               <a:rPr lang="en-AU" smtClean="0"/>
-              <a:t>7/12/2021</a:t>
+              <a:t>9/12/2021</a:t>
             </a:fld>
             <a:endParaRPr lang="en-AU"/>
           </a:p>
@@ -5188,7 +5196,7 @@
           <a:p>
             <a:fld id="{D754354D-3831-46E6-B214-4513A5AFD404}" type="datetimeFigureOut">
               <a:rPr lang="en-AU" smtClean="0"/>
-              <a:t>7/12/2021</a:t>
+              <a:t>9/12/2021</a:t>
             </a:fld>
             <a:endParaRPr lang="en-AU"/>
           </a:p>
@@ -5420,7 +5428,7 @@
           <a:p>
             <a:fld id="{D754354D-3831-46E6-B214-4513A5AFD404}" type="datetimeFigureOut">
               <a:rPr lang="en-AU" smtClean="0"/>
-              <a:t>7/12/2021</a:t>
+              <a:t>9/12/2021</a:t>
             </a:fld>
             <a:endParaRPr lang="en-AU"/>
           </a:p>
@@ -5794,7 +5802,7 @@
           <a:p>
             <a:fld id="{D754354D-3831-46E6-B214-4513A5AFD404}" type="datetimeFigureOut">
               <a:rPr lang="en-AU" smtClean="0"/>
-              <a:t>7/12/2021</a:t>
+              <a:t>9/12/2021</a:t>
             </a:fld>
             <a:endParaRPr lang="en-AU"/>
           </a:p>
@@ -5917,7 +5925,7 @@
           <a:p>
             <a:fld id="{D754354D-3831-46E6-B214-4513A5AFD404}" type="datetimeFigureOut">
               <a:rPr lang="en-AU" smtClean="0"/>
-              <a:t>7/12/2021</a:t>
+              <a:t>9/12/2021</a:t>
             </a:fld>
             <a:endParaRPr lang="en-AU"/>
           </a:p>
@@ -6012,7 +6020,7 @@
           <a:p>
             <a:fld id="{D754354D-3831-46E6-B214-4513A5AFD404}" type="datetimeFigureOut">
               <a:rPr lang="en-AU" smtClean="0"/>
-              <a:t>7/12/2021</a:t>
+              <a:t>9/12/2021</a:t>
             </a:fld>
             <a:endParaRPr lang="en-AU"/>
           </a:p>
@@ -6267,7 +6275,7 @@
           <a:p>
             <a:fld id="{D754354D-3831-46E6-B214-4513A5AFD404}" type="datetimeFigureOut">
               <a:rPr lang="en-AU" smtClean="0"/>
-              <a:t>7/12/2021</a:t>
+              <a:t>9/12/2021</a:t>
             </a:fld>
             <a:endParaRPr lang="en-AU"/>
           </a:p>
@@ -6530,7 +6538,7 @@
           <a:p>
             <a:fld id="{D754354D-3831-46E6-B214-4513A5AFD404}" type="datetimeFigureOut">
               <a:rPr lang="en-AU" smtClean="0"/>
-              <a:t>7/12/2021</a:t>
+              <a:t>9/12/2021</a:t>
             </a:fld>
             <a:endParaRPr lang="en-AU"/>
           </a:p>
@@ -7273,7 +7281,7 @@
           <a:p>
             <a:fld id="{D754354D-3831-46E6-B214-4513A5AFD404}" type="datetimeFigureOut">
               <a:rPr lang="en-AU" smtClean="0"/>
-              <a:t>7/12/2021</a:t>
+              <a:t>9/12/2021</a:t>
             </a:fld>
             <a:endParaRPr lang="en-AU"/>
           </a:p>
@@ -9649,10 +9657,10 @@
       </p:grpSpPr>
       <p:pic>
         <p:nvPicPr>
-          <p:cNvPr id="3" name="Picture 2">
+          <p:cNvPr id="4" name="Picture 3">
             <a:extLst>
               <a:ext uri="{FF2B5EF4-FFF2-40B4-BE49-F238E27FC236}">
-                <a16:creationId xmlns:a16="http://schemas.microsoft.com/office/drawing/2014/main" id="{17900CBF-C5B9-4F68-A220-39BE2880923D}"/>
+                <a16:creationId xmlns:a16="http://schemas.microsoft.com/office/drawing/2014/main" id="{31F6D429-F5BC-4060-B857-F13683D9804E}"/>
               </a:ext>
             </a:extLst>
           </p:cNvPr>
@@ -9669,8 +9677,8 @@
         </p:blipFill>
         <p:spPr>
           <a:xfrm>
-            <a:off x="325120" y="243840"/>
-            <a:ext cx="11509593" cy="6512560"/>
+            <a:off x="976312" y="614362"/>
+            <a:ext cx="9629775" cy="5629275"/>
           </a:xfrm>
           <a:prstGeom prst="rect">
             <a:avLst/>
@@ -9749,14 +9757,16 @@
       </p:sp>
       <p:pic>
         <p:nvPicPr>
-          <p:cNvPr id="7" name="Picture 6">
+          <p:cNvPr id="3" name="Picture 2">
             <a:extLst>
               <a:ext uri="{FF2B5EF4-FFF2-40B4-BE49-F238E27FC236}">
-                <a16:creationId xmlns:a16="http://schemas.microsoft.com/office/drawing/2014/main" id="{168995D5-F097-41A8-ACFF-AA06077AA21C}"/>
+                <a16:creationId xmlns:a16="http://schemas.microsoft.com/office/drawing/2014/main" id="{054D1936-443E-4395-BE9B-CA86621468A3}"/>
               </a:ext>
             </a:extLst>
           </p:cNvPr>
-          <p:cNvPicPr/>
+          <p:cNvPicPr>
+            <a:picLocks noChangeAspect="1"/>
+          </p:cNvPicPr>
           <p:nvPr/>
         </p:nvPicPr>
         <p:blipFill>
@@ -9767,8 +9777,8 @@
         </p:blipFill>
         <p:spPr>
           <a:xfrm>
-            <a:off x="965200" y="1778000"/>
-            <a:ext cx="4988560" cy="3667760"/>
+            <a:off x="6503670" y="2764790"/>
+            <a:ext cx="3695700" cy="1104900"/>
           </a:xfrm>
           <a:prstGeom prst="rect">
             <a:avLst/>
@@ -9777,10 +9787,10 @@
       </p:pic>
       <p:pic>
         <p:nvPicPr>
-          <p:cNvPr id="8" name="Picture 7">
+          <p:cNvPr id="4" name="Picture 3">
             <a:extLst>
               <a:ext uri="{FF2B5EF4-FFF2-40B4-BE49-F238E27FC236}">
-                <a16:creationId xmlns:a16="http://schemas.microsoft.com/office/drawing/2014/main" id="{3EBAD11C-8CA0-40A6-AD4D-B08D04933AEF}"/>
+                <a16:creationId xmlns:a16="http://schemas.microsoft.com/office/drawing/2014/main" id="{387992A2-8ED1-44E4-8B18-F36DB6686F93}"/>
               </a:ext>
             </a:extLst>
           </p:cNvPr>
@@ -9797,8 +9807,8 @@
         </p:blipFill>
         <p:spPr>
           <a:xfrm>
-            <a:off x="5953760" y="2639060"/>
-            <a:ext cx="5571898" cy="1579880"/>
+            <a:off x="1314450" y="1814195"/>
+            <a:ext cx="4781550" cy="3371850"/>
           </a:xfrm>
           <a:prstGeom prst="rect">
             <a:avLst/>
@@ -10294,64 +10304,6 @@
       </p:sp>
       <p:pic>
         <p:nvPicPr>
-          <p:cNvPr id="5" name="Picture 4">
-            <a:extLst>
-              <a:ext uri="{FF2B5EF4-FFF2-40B4-BE49-F238E27FC236}">
-                <a16:creationId xmlns:a16="http://schemas.microsoft.com/office/drawing/2014/main" id="{046B799F-5428-44E2-8C34-041C75CADFC4}"/>
-              </a:ext>
-            </a:extLst>
-          </p:cNvPr>
-          <p:cNvPicPr/>
-          <p:nvPr/>
-        </p:nvPicPr>
-        <p:blipFill>
-          <a:blip r:embed="rId3"/>
-          <a:stretch>
-            <a:fillRect/>
-          </a:stretch>
-        </p:blipFill>
-        <p:spPr>
-          <a:xfrm>
-            <a:off x="5900789" y="4368744"/>
-            <a:ext cx="3775573" cy="2093016"/>
-          </a:xfrm>
-          <a:prstGeom prst="rect">
-            <a:avLst/>
-          </a:prstGeom>
-        </p:spPr>
-      </p:pic>
-      <p:pic>
-        <p:nvPicPr>
-          <p:cNvPr id="6" name="Picture 5">
-            <a:extLst>
-              <a:ext uri="{FF2B5EF4-FFF2-40B4-BE49-F238E27FC236}">
-                <a16:creationId xmlns:a16="http://schemas.microsoft.com/office/drawing/2014/main" id="{A9AA5333-759B-4FEA-9C7F-04859ACE8754}"/>
-              </a:ext>
-            </a:extLst>
-          </p:cNvPr>
-          <p:cNvPicPr>
-            <a:picLocks noChangeAspect="1"/>
-          </p:cNvPicPr>
-          <p:nvPr/>
-        </p:nvPicPr>
-        <p:blipFill>
-          <a:blip r:embed="rId4"/>
-          <a:stretch>
-            <a:fillRect/>
-          </a:stretch>
-        </p:blipFill>
-        <p:spPr>
-          <a:xfrm>
-            <a:off x="5415280" y="2703912"/>
-            <a:ext cx="4409440" cy="1434643"/>
-          </a:xfrm>
-          <a:prstGeom prst="rect">
-            <a:avLst/>
-          </a:prstGeom>
-        </p:spPr>
-      </p:pic>
-      <p:pic>
-        <p:nvPicPr>
           <p:cNvPr id="7" name="Picture 6">
             <a:extLst>
               <a:ext uri="{FF2B5EF4-FFF2-40B4-BE49-F238E27FC236}">
@@ -10363,7 +10315,7 @@
           <p:nvPr/>
         </p:nvPicPr>
         <p:blipFill>
-          <a:blip r:embed="rId5"/>
+          <a:blip r:embed="rId3"/>
           <a:stretch>
             <a:fillRect/>
           </a:stretch>
@@ -10393,7 +10345,7 @@
           <p:nvPr/>
         </p:nvPicPr>
         <p:blipFill>
-          <a:blip r:embed="rId6"/>
+          <a:blip r:embed="rId4"/>
           <a:stretch>
             <a:fillRect/>
           </a:stretch>
@@ -10402,6 +10354,66 @@
           <a:xfrm>
             <a:off x="677334" y="2710615"/>
             <a:ext cx="4270586" cy="1436770"/>
+          </a:xfrm>
+          <a:prstGeom prst="rect">
+            <a:avLst/>
+          </a:prstGeom>
+        </p:spPr>
+      </p:pic>
+      <p:pic>
+        <p:nvPicPr>
+          <p:cNvPr id="9" name="Picture 8">
+            <a:extLst>
+              <a:ext uri="{FF2B5EF4-FFF2-40B4-BE49-F238E27FC236}">
+                <a16:creationId xmlns:a16="http://schemas.microsoft.com/office/drawing/2014/main" id="{785A014F-0FC3-4242-A8E1-1B5B83DF6483}"/>
+              </a:ext>
+            </a:extLst>
+          </p:cNvPr>
+          <p:cNvPicPr>
+            <a:picLocks noChangeAspect="1"/>
+          </p:cNvPicPr>
+          <p:nvPr/>
+        </p:nvPicPr>
+        <p:blipFill>
+          <a:blip r:embed="rId5"/>
+          <a:stretch>
+            <a:fillRect/>
+          </a:stretch>
+        </p:blipFill>
+        <p:spPr>
+          <a:xfrm>
+            <a:off x="5733553" y="4460240"/>
+            <a:ext cx="4091167" cy="2397760"/>
+          </a:xfrm>
+          <a:prstGeom prst="rect">
+            <a:avLst/>
+          </a:prstGeom>
+        </p:spPr>
+      </p:pic>
+      <p:pic>
+        <p:nvPicPr>
+          <p:cNvPr id="10" name="Picture 9">
+            <a:extLst>
+              <a:ext uri="{FF2B5EF4-FFF2-40B4-BE49-F238E27FC236}">
+                <a16:creationId xmlns:a16="http://schemas.microsoft.com/office/drawing/2014/main" id="{B259753B-976A-490B-8C83-5801056E1EA0}"/>
+              </a:ext>
+            </a:extLst>
+          </p:cNvPr>
+          <p:cNvPicPr>
+            <a:picLocks noChangeAspect="1"/>
+          </p:cNvPicPr>
+          <p:nvPr/>
+        </p:nvPicPr>
+        <p:blipFill>
+          <a:blip r:embed="rId6"/>
+          <a:stretch>
+            <a:fillRect/>
+          </a:stretch>
+        </p:blipFill>
+        <p:spPr>
+          <a:xfrm>
+            <a:off x="5305562" y="2710615"/>
+            <a:ext cx="5193462" cy="1436770"/>
           </a:xfrm>
           <a:prstGeom prst="rect">
             <a:avLst/>
@@ -11143,7 +11155,15 @@
             </a:pPr>
             <a:r>
               <a:rPr lang="en-AU" dirty="0"/>
-              <a:t>Given example dataset indicated that Logistic regression is the best training classifier with the accuracy of 75.8% to predict its Target SLAs.</a:t>
+              <a:t>Given example dataset indicated that </a:t>
+            </a:r>
+            <a:r>
+              <a:rPr lang="en-AU" dirty="0" err="1"/>
+              <a:t>CatBoost</a:t>
+            </a:r>
+            <a:r>
+              <a:rPr lang="en-AU" dirty="0"/>
+              <a:t> is the best training classifier with the accuracy of 75.9% to predict its Target SLAs.</a:t>
             </a:r>
           </a:p>
           <a:p>
